--- a/release/04__Prompt-hacking-intro.pptx
+++ b/release/04__Prompt-hacking-intro.pptx
@@ -2660,8 +2660,8 @@
         </p:blipFill>
         <p:spPr>
           <a:xfrm>
-            <a:off x="306709" y="1347262"/>
-            <a:ext cx="8840466" cy="5388769"/>
+            <a:off x="407125" y="1558131"/>
+            <a:ext cx="8965475" cy="5464969"/>
           </a:xfrm>
           <a:prstGeom prst="rect">
             <a:avLst/>
@@ -2809,8 +2809,8 @@
         </p:blipFill>
         <p:spPr>
           <a:xfrm>
-            <a:off x="338160" y="1405731"/>
-            <a:ext cx="8799490" cy="4258469"/>
+            <a:off x="220662" y="1405731"/>
+            <a:ext cx="9271858" cy="4487069"/>
           </a:xfrm>
           <a:prstGeom prst="rect">
             <a:avLst/>
@@ -2955,8 +2955,8 @@
         </p:blipFill>
         <p:spPr>
           <a:xfrm>
-            <a:off x="396944" y="1405731"/>
-            <a:ext cx="8578712" cy="3991769"/>
+            <a:off x="209211" y="1649411"/>
+            <a:ext cx="8928439" cy="4154501"/>
           </a:xfrm>
           <a:prstGeom prst="rect">
             <a:avLst/>
@@ -3095,8 +3095,8 @@
         </p:blipFill>
         <p:spPr>
           <a:xfrm>
-            <a:off x="174384" y="1481931"/>
-            <a:ext cx="9160116" cy="2514213"/>
+            <a:off x="4762" y="2472531"/>
+            <a:ext cx="9439148" cy="2590800"/>
           </a:xfrm>
           <a:prstGeom prst="rect">
             <a:avLst/>
@@ -3253,7 +3253,7 @@
         </p:blipFill>
         <p:spPr>
           <a:xfrm>
-            <a:off x="23812" y="1077132"/>
+            <a:off x="38100" y="1077132"/>
             <a:ext cx="9291070" cy="4748199"/>
           </a:xfrm>
           <a:prstGeom prst="rect">
@@ -3350,7 +3350,7 @@
           </a:p>
           <a:p>
             <a:r>
-              <a:t> Notes</a:t>
+              <a:t> Who is Simon?</a:t>
             </a:r>
           </a:p>
           <a:p>
@@ -4151,8 +4151,8 @@
         </p:blipFill>
         <p:spPr>
           <a:xfrm>
-            <a:off x="-19050" y="1573301"/>
-            <a:ext cx="9391650" cy="4228982"/>
+            <a:off x="206375" y="1405731"/>
+            <a:ext cx="8813602" cy="3750469"/>
           </a:xfrm>
           <a:prstGeom prst="rect">
             <a:avLst/>
@@ -4294,8 +4294,8 @@
         </p:blipFill>
         <p:spPr>
           <a:xfrm>
-            <a:off x="352425" y="1590421"/>
-            <a:ext cx="8667750" cy="2818780"/>
+            <a:off x="403949" y="1862931"/>
+            <a:ext cx="8564702" cy="2785269"/>
           </a:xfrm>
           <a:prstGeom prst="rect">
             <a:avLst/>
